--- a/Deployment/userDocs/img/final_task_schema.pptx
+++ b/Deployment/userDocs/img/final_task_schema.pptx
@@ -261,7 +261,7 @@
           <a:p>
             <a:fld id="{B54D5996-1787-4713-9AAF-D983FFC67929}" type="datetimeFigureOut">
               <a:rPr lang="it-IT" smtClean="0"/>
-              <a:t>08/09/2021</a:t>
+              <a:t>10/09/2021</a:t>
             </a:fld>
             <a:endParaRPr lang="it-IT"/>
           </a:p>
@@ -429,7 +429,7 @@
           <a:p>
             <a:fld id="{B54D5996-1787-4713-9AAF-D983FFC67929}" type="datetimeFigureOut">
               <a:rPr lang="it-IT" smtClean="0"/>
-              <a:t>08/09/2021</a:t>
+              <a:t>10/09/2021</a:t>
             </a:fld>
             <a:endParaRPr lang="it-IT"/>
           </a:p>
@@ -607,7 +607,7 @@
           <a:p>
             <a:fld id="{B54D5996-1787-4713-9AAF-D983FFC67929}" type="datetimeFigureOut">
               <a:rPr lang="it-IT" smtClean="0"/>
-              <a:t>08/09/2021</a:t>
+              <a:t>10/09/2021</a:t>
             </a:fld>
             <a:endParaRPr lang="it-IT"/>
           </a:p>
@@ -775,7 +775,7 @@
           <a:p>
             <a:fld id="{B54D5996-1787-4713-9AAF-D983FFC67929}" type="datetimeFigureOut">
               <a:rPr lang="it-IT" smtClean="0"/>
-              <a:t>08/09/2021</a:t>
+              <a:t>10/09/2021</a:t>
             </a:fld>
             <a:endParaRPr lang="it-IT"/>
           </a:p>
@@ -1020,7 +1020,7 @@
           <a:p>
             <a:fld id="{B54D5996-1787-4713-9AAF-D983FFC67929}" type="datetimeFigureOut">
               <a:rPr lang="it-IT" smtClean="0"/>
-              <a:t>08/09/2021</a:t>
+              <a:t>10/09/2021</a:t>
             </a:fld>
             <a:endParaRPr lang="it-IT"/>
           </a:p>
@@ -1249,7 +1249,7 @@
           <a:p>
             <a:fld id="{B54D5996-1787-4713-9AAF-D983FFC67929}" type="datetimeFigureOut">
               <a:rPr lang="it-IT" smtClean="0"/>
-              <a:t>08/09/2021</a:t>
+              <a:t>10/09/2021</a:t>
             </a:fld>
             <a:endParaRPr lang="it-IT"/>
           </a:p>
@@ -1613,7 +1613,7 @@
           <a:p>
             <a:fld id="{B54D5996-1787-4713-9AAF-D983FFC67929}" type="datetimeFigureOut">
               <a:rPr lang="it-IT" smtClean="0"/>
-              <a:t>08/09/2021</a:t>
+              <a:t>10/09/2021</a:t>
             </a:fld>
             <a:endParaRPr lang="it-IT"/>
           </a:p>
@@ -1730,7 +1730,7 @@
           <a:p>
             <a:fld id="{B54D5996-1787-4713-9AAF-D983FFC67929}" type="datetimeFigureOut">
               <a:rPr lang="it-IT" smtClean="0"/>
-              <a:t>08/09/2021</a:t>
+              <a:t>10/09/2021</a:t>
             </a:fld>
             <a:endParaRPr lang="it-IT"/>
           </a:p>
@@ -1825,7 +1825,7 @@
           <a:p>
             <a:fld id="{B54D5996-1787-4713-9AAF-D983FFC67929}" type="datetimeFigureOut">
               <a:rPr lang="it-IT" smtClean="0"/>
-              <a:t>08/09/2021</a:t>
+              <a:t>10/09/2021</a:t>
             </a:fld>
             <a:endParaRPr lang="it-IT"/>
           </a:p>
@@ -2100,7 +2100,7 @@
           <a:p>
             <a:fld id="{B54D5996-1787-4713-9AAF-D983FFC67929}" type="datetimeFigureOut">
               <a:rPr lang="it-IT" smtClean="0"/>
-              <a:t>08/09/2021</a:t>
+              <a:t>10/09/2021</a:t>
             </a:fld>
             <a:endParaRPr lang="it-IT"/>
           </a:p>
@@ -2352,7 +2352,7 @@
           <a:p>
             <a:fld id="{B54D5996-1787-4713-9AAF-D983FFC67929}" type="datetimeFigureOut">
               <a:rPr lang="it-IT" smtClean="0"/>
-              <a:t>08/09/2021</a:t>
+              <a:t>10/09/2021</a:t>
             </a:fld>
             <a:endParaRPr lang="it-IT"/>
           </a:p>
@@ -2563,7 +2563,7 @@
           <a:p>
             <a:fld id="{B54D5996-1787-4713-9AAF-D983FFC67929}" type="datetimeFigureOut">
               <a:rPr lang="it-IT" smtClean="0"/>
-              <a:t>08/09/2021</a:t>
+              <a:t>10/09/2021</a:t>
             </a:fld>
             <a:endParaRPr lang="it-IT"/>
           </a:p>
@@ -24820,7 +24820,7 @@
         <p:spPr>
           <a:xfrm>
             <a:off x="212854" y="117842"/>
-            <a:ext cx="6576185" cy="6503245"/>
+            <a:ext cx="8075041" cy="6503245"/>
           </a:xfrm>
           <a:prstGeom prst="roundRect">
             <a:avLst/>
@@ -24874,7 +24874,7 @@
         </p:nvSpPr>
         <p:spPr>
           <a:xfrm>
-            <a:off x="8504085" y="3052471"/>
+            <a:off x="9474598" y="4119634"/>
             <a:ext cx="2119280" cy="2892003"/>
           </a:xfrm>
           <a:prstGeom prst="roundRect">
@@ -24929,8 +24929,8 @@
         </p:nvSpPr>
         <p:spPr>
           <a:xfrm>
-            <a:off x="7224063" y="117842"/>
-            <a:ext cx="4876582" cy="2481977"/>
+            <a:off x="8917389" y="112075"/>
+            <a:ext cx="3451052" cy="3728744"/>
           </a:xfrm>
           <a:prstGeom prst="roundRect">
             <a:avLst/>
@@ -24985,7 +24985,7 @@
         <p:spPr>
           <a:xfrm>
             <a:off x="662158" y="439540"/>
-            <a:ext cx="5406848" cy="5992425"/>
+            <a:ext cx="4953881" cy="5992425"/>
           </a:xfrm>
           <a:prstGeom prst="roundRect">
             <a:avLst/>
@@ -25104,8 +25104,8 @@
         </p:nvSpPr>
         <p:spPr>
           <a:xfrm>
-            <a:off x="7577493" y="483826"/>
-            <a:ext cx="4302488" cy="1945459"/>
+            <a:off x="9532567" y="478060"/>
+            <a:ext cx="2615210" cy="3033820"/>
           </a:xfrm>
           <a:prstGeom prst="roundRect">
             <a:avLst/>
@@ -25159,7 +25159,7 @@
         </p:nvSpPr>
         <p:spPr>
           <a:xfrm>
-            <a:off x="8690095" y="203750"/>
+            <a:off x="9936778" y="232831"/>
             <a:ext cx="1772176" cy="471580"/>
           </a:xfrm>
           <a:prstGeom prst="roundRect">
@@ -25205,16 +25205,7 @@
                 </a:solidFill>
                 <a:latin typeface="Century Schoolbook" panose="02040604050505020304" pitchFamily="18" charset="0"/>
               </a:rPr>
-              <a:t>ctx </a:t>
-            </a:r>
-            <a:r>
-              <a:rPr lang="it-IT" sz="1400" dirty="0" smtClean="0">
-                <a:solidFill>
-                  <a:schemeClr val="tx1"/>
-                </a:solidFill>
-                <a:latin typeface="Century Schoolbook" panose="02040604050505020304" pitchFamily="18" charset="0"/>
-              </a:rPr>
-              <a:t>Sonar</a:t>
+              <a:t>ctx Sonar</a:t>
             </a:r>
             <a:endParaRPr lang="it-IT" sz="1400" dirty="0">
               <a:solidFill>
@@ -25424,7 +25415,7 @@
         </p:nvGrpSpPr>
         <p:grpSpPr>
           <a:xfrm>
-            <a:off x="4036890" y="2084088"/>
+            <a:off x="3304304" y="5174567"/>
             <a:ext cx="1926426" cy="1214172"/>
             <a:chOff x="402476" y="5184618"/>
             <a:chExt cx="1926426" cy="1214172"/>
@@ -25615,7 +25606,7 @@
         </p:nvGrpSpPr>
         <p:grpSpPr>
           <a:xfrm>
-            <a:off x="3894041" y="614162"/>
+            <a:off x="3571284" y="507300"/>
             <a:ext cx="1926426" cy="1214172"/>
             <a:chOff x="402476" y="5184618"/>
             <a:chExt cx="1926426" cy="1214172"/>
@@ -26928,7 +26919,7 @@
         </p:nvGrpSpPr>
         <p:grpSpPr>
           <a:xfrm>
-            <a:off x="7749734" y="769431"/>
+            <a:off x="9799876" y="749483"/>
             <a:ext cx="1973200" cy="1256013"/>
             <a:chOff x="402476" y="3280190"/>
             <a:chExt cx="1926426" cy="1214172"/>
@@ -27113,7 +27104,7 @@
         </p:nvGrpSpPr>
         <p:grpSpPr>
           <a:xfrm>
-            <a:off x="9827233" y="788239"/>
+            <a:off x="9859653" y="2136072"/>
             <a:ext cx="1926426" cy="1214172"/>
             <a:chOff x="402476" y="5184618"/>
             <a:chExt cx="1926426" cy="1214172"/>
@@ -27286,7 +27277,7 @@
         </p:nvGrpSpPr>
         <p:grpSpPr>
           <a:xfrm>
-            <a:off x="8766059" y="3165381"/>
+            <a:off x="9736572" y="4232544"/>
             <a:ext cx="1660945" cy="1214172"/>
             <a:chOff x="7744200" y="2907063"/>
             <a:chExt cx="1660945" cy="1214172"/>
@@ -27426,7 +27417,7 @@
         </p:nvGrpSpPr>
         <p:grpSpPr>
           <a:xfrm>
-            <a:off x="8766059" y="4530056"/>
+            <a:off x="9736572" y="5597219"/>
             <a:ext cx="1660945" cy="1214172"/>
             <a:chOff x="7744200" y="2907063"/>
             <a:chExt cx="1660945" cy="1214172"/>
@@ -27572,8 +27563,8 @@
         </p:nvSpPr>
         <p:spPr>
           <a:xfrm>
-            <a:off x="4011534" y="4174453"/>
-            <a:ext cx="2640135" cy="1945459"/>
+            <a:off x="5739327" y="474388"/>
+            <a:ext cx="2200085" cy="1945459"/>
           </a:xfrm>
           <a:prstGeom prst="roundRect">
             <a:avLst/>
@@ -27627,7 +27618,7 @@
         </p:nvSpPr>
         <p:spPr>
           <a:xfrm>
-            <a:off x="4445513" y="3973957"/>
+            <a:off x="5980971" y="238598"/>
             <a:ext cx="1772176" cy="471580"/>
           </a:xfrm>
           <a:prstGeom prst="roundRect">
@@ -27673,16 +27664,7 @@
                 </a:solidFill>
                 <a:latin typeface="Century Schoolbook" panose="02040604050505020304" pitchFamily="18" charset="0"/>
               </a:rPr>
-              <a:t>ctx </a:t>
-            </a:r>
-            <a:r>
-              <a:rPr lang="it-IT" sz="1400" dirty="0" smtClean="0">
-                <a:solidFill>
-                  <a:schemeClr val="tx1"/>
-                </a:solidFill>
-                <a:latin typeface="Century Schoolbook" panose="02040604050505020304" pitchFamily="18" charset="0"/>
-              </a:rPr>
-              <a:t>Basic Robot</a:t>
+              <a:t>ctx Basic Robot</a:t>
             </a:r>
             <a:endParaRPr lang="it-IT" sz="1400" dirty="0">
               <a:solidFill>
@@ -27701,7 +27683,7 @@
         </p:nvGrpSpPr>
         <p:grpSpPr>
           <a:xfrm>
-            <a:off x="4265494" y="4540096"/>
+            <a:off x="5807752" y="855044"/>
             <a:ext cx="1926426" cy="1214172"/>
             <a:chOff x="402476" y="5184618"/>
             <a:chExt cx="1926426" cy="1214172"/>
@@ -27892,7 +27874,7 @@
         </p:nvSpPr>
         <p:spPr>
           <a:xfrm>
-            <a:off x="6931919" y="1183226"/>
+            <a:off x="8637662" y="1739264"/>
             <a:ext cx="559453" cy="471580"/>
           </a:xfrm>
           <a:prstGeom prst="roundRect">
@@ -28022,7 +28004,7 @@
         </p:nvSpPr>
         <p:spPr>
           <a:xfrm>
-            <a:off x="8150907" y="4249218"/>
+            <a:off x="9121420" y="5316381"/>
             <a:ext cx="577762" cy="471580"/>
           </a:xfrm>
           <a:prstGeom prst="roundRect">
@@ -30304,7 +30286,7 @@
                 <a14:useLocalDpi xmlns:a14="http://schemas.microsoft.com/office/drawing/2010/main" val="0"/>
               </a:ext>
               <a:ext uri="{96DAC541-7B7A-43D3-8B79-37D633B846F1}">
-                <asvg:svgBlip xmlns:asvg="http://schemas.microsoft.com/office/drawing/2016/SVG/main" xmlns="" r:embed="rId3"/>
+                <asvg:svgBlip xmlns="" xmlns:asvg="http://schemas.microsoft.com/office/drawing/2016/SVG/main" r:embed="rId3"/>
               </a:ext>
             </a:extLst>
           </a:blip>

--- a/Deployment/userDocs/img/final_task_schema.pptx
+++ b/Deployment/userDocs/img/final_task_schema.pptx
@@ -24819,8 +24819,8 @@
         </p:nvSpPr>
         <p:spPr>
           <a:xfrm>
-            <a:off x="212854" y="117842"/>
-            <a:ext cx="8075041" cy="6503245"/>
+            <a:off x="212855" y="117842"/>
+            <a:ext cx="7964466" cy="6503245"/>
           </a:xfrm>
           <a:prstGeom prst="roundRect">
             <a:avLst/>
@@ -24874,7 +24874,7 @@
         </p:nvSpPr>
         <p:spPr>
           <a:xfrm>
-            <a:off x="9474598" y="4119634"/>
+            <a:off x="8740177" y="3103679"/>
             <a:ext cx="2119280" cy="2892003"/>
           </a:xfrm>
           <a:prstGeom prst="roundRect">
@@ -24929,8 +24929,8 @@
         </p:nvSpPr>
         <p:spPr>
           <a:xfrm>
-            <a:off x="8917389" y="112075"/>
-            <a:ext cx="3451052" cy="3728744"/>
+            <a:off x="8713725" y="119398"/>
+            <a:ext cx="3451052" cy="2470497"/>
           </a:xfrm>
           <a:prstGeom prst="roundRect">
             <a:avLst/>
@@ -24985,7 +24985,7 @@
         <p:spPr>
           <a:xfrm>
             <a:off x="662158" y="439540"/>
-            <a:ext cx="4953881" cy="5992425"/>
+            <a:ext cx="5087411" cy="5992425"/>
           </a:xfrm>
           <a:prstGeom prst="roundRect">
             <a:avLst/>
@@ -25104,8 +25104,8 @@
         </p:nvSpPr>
         <p:spPr>
           <a:xfrm>
-            <a:off x="9532567" y="478060"/>
-            <a:ext cx="2615210" cy="3033820"/>
+            <a:off x="9328903" y="485383"/>
+            <a:ext cx="2615210" cy="1792653"/>
           </a:xfrm>
           <a:prstGeom prst="roundRect">
             <a:avLst/>
@@ -25159,7 +25159,7 @@
         </p:nvSpPr>
         <p:spPr>
           <a:xfrm>
-            <a:off x="9936778" y="232831"/>
+            <a:off x="9733114" y="240154"/>
             <a:ext cx="1772176" cy="471580"/>
           </a:xfrm>
           <a:prstGeom prst="roundRect">
@@ -25415,7 +25415,7 @@
         </p:nvGrpSpPr>
         <p:grpSpPr>
           <a:xfrm>
-            <a:off x="3304304" y="5174567"/>
+            <a:off x="3760249" y="3735774"/>
             <a:ext cx="1926426" cy="1214172"/>
             <a:chOff x="402476" y="5184618"/>
             <a:chExt cx="1926426" cy="1214172"/>
@@ -26179,7 +26179,7 @@
         </p:nvGrpSpPr>
         <p:grpSpPr>
           <a:xfrm>
-            <a:off x="2370977" y="4226460"/>
+            <a:off x="2139801" y="4360741"/>
             <a:ext cx="1926426" cy="1214172"/>
             <a:chOff x="402476" y="5184618"/>
             <a:chExt cx="1926426" cy="1214172"/>
@@ -26746,7 +26746,7 @@
         </p:nvGrpSpPr>
         <p:grpSpPr>
           <a:xfrm>
-            <a:off x="809834" y="5056930"/>
+            <a:off x="779043" y="5072511"/>
             <a:ext cx="1926426" cy="1214172"/>
             <a:chOff x="402476" y="5184618"/>
             <a:chExt cx="1926426" cy="1214172"/>
@@ -26919,7 +26919,7 @@
         </p:nvGrpSpPr>
         <p:grpSpPr>
           <a:xfrm>
-            <a:off x="9799876" y="749483"/>
+            <a:off x="9596212" y="756806"/>
             <a:ext cx="1973200" cy="1256013"/>
             <a:chOff x="402476" y="3280190"/>
             <a:chExt cx="1926426" cy="1214172"/>
@@ -27104,7 +27104,7 @@
         </p:nvGrpSpPr>
         <p:grpSpPr>
           <a:xfrm>
-            <a:off x="9859653" y="2136072"/>
+            <a:off x="3738600" y="2122474"/>
             <a:ext cx="1926426" cy="1214172"/>
             <a:chOff x="402476" y="5184618"/>
             <a:chExt cx="1926426" cy="1214172"/>
@@ -27277,7 +27277,7 @@
         </p:nvGrpSpPr>
         <p:grpSpPr>
           <a:xfrm>
-            <a:off x="9736572" y="4232544"/>
+            <a:off x="9002151" y="3216589"/>
             <a:ext cx="1660945" cy="1214172"/>
             <a:chOff x="7744200" y="2907063"/>
             <a:chExt cx="1660945" cy="1214172"/>
@@ -27417,7 +27417,7 @@
         </p:nvGrpSpPr>
         <p:grpSpPr>
           <a:xfrm>
-            <a:off x="9736572" y="5597219"/>
+            <a:off x="9002151" y="4581264"/>
             <a:ext cx="1660945" cy="1214172"/>
             <a:chOff x="7744200" y="2907063"/>
             <a:chExt cx="1660945" cy="1214172"/>
@@ -27563,7 +27563,7 @@
         </p:nvSpPr>
         <p:spPr>
           <a:xfrm>
-            <a:off x="5739327" y="474388"/>
+            <a:off x="5870260" y="927319"/>
             <a:ext cx="2200085" cy="1945459"/>
           </a:xfrm>
           <a:prstGeom prst="roundRect">
@@ -27618,7 +27618,7 @@
         </p:nvSpPr>
         <p:spPr>
           <a:xfrm>
-            <a:off x="5980971" y="238598"/>
+            <a:off x="6111904" y="691529"/>
             <a:ext cx="1772176" cy="471580"/>
           </a:xfrm>
           <a:prstGeom prst="roundRect">
@@ -27683,7 +27683,7 @@
         </p:nvGrpSpPr>
         <p:grpSpPr>
           <a:xfrm>
-            <a:off x="5807752" y="855044"/>
+            <a:off x="5938685" y="1307975"/>
             <a:ext cx="1926426" cy="1214172"/>
             <a:chOff x="402476" y="5184618"/>
             <a:chExt cx="1926426" cy="1214172"/>
@@ -27874,7 +27874,7 @@
         </p:nvSpPr>
         <p:spPr>
           <a:xfrm>
-            <a:off x="8637662" y="1739264"/>
+            <a:off x="8386999" y="1229127"/>
             <a:ext cx="559453" cy="471580"/>
           </a:xfrm>
           <a:prstGeom prst="roundRect">
@@ -28004,7 +28004,7 @@
         </p:nvSpPr>
         <p:spPr>
           <a:xfrm>
-            <a:off x="9121420" y="5316381"/>
+            <a:off x="8386999" y="4300426"/>
             <a:ext cx="577762" cy="471580"/>
           </a:xfrm>
           <a:prstGeom prst="roundRect">
@@ -30286,7 +30286,7 @@
                 <a14:useLocalDpi xmlns:a14="http://schemas.microsoft.com/office/drawing/2010/main" val="0"/>
               </a:ext>
               <a:ext uri="{96DAC541-7B7A-43D3-8B79-37D633B846F1}">
-                <asvg:svgBlip xmlns="" xmlns:asvg="http://schemas.microsoft.com/office/drawing/2016/SVG/main" r:embed="rId3"/>
+                <asvg:svgBlip xmlns:asvg="http://schemas.microsoft.com/office/drawing/2016/SVG/main" xmlns="" r:embed="rId3"/>
               </a:ext>
             </a:extLst>
           </a:blip>
